--- a/코딩 테스트 스터디 OT.pptx
+++ b/코딩 테스트 스터디 OT.pptx
@@ -125,6 +125,11 @@
       </a:defRPr>
     </a:lvl9pPr>
   </p:defaultTextStyle>
+  <p:extLst>
+    <p:ext uri="{EFAFB233-063F-42B5-8137-9DF3F51BA10A}">
+      <p15:sldGuideLst xmlns:p15="http://schemas.microsoft.com/office/powerpoint/2012/main"/>
+    </p:ext>
+  </p:extLst>
 </p:presentation>
 </file>
 
@@ -210,7 +215,7 @@
           <a:p>
             <a:fld id="{4DB7E903-6C05-4E7F-8497-670A83377C74}" type="datetimeFigureOut">
               <a:rPr lang="en-GB" smtClean="0"/>
-              <a:t>14/01/2025</a:t>
+              <a:t>17/01/2025</a:t>
             </a:fld>
             <a:endParaRPr lang="en-GB"/>
           </a:p>
@@ -711,7 +716,7 @@
           <a:p>
             <a:fld id="{ACAC456A-6D9A-43C7-91E6-E8C2C059DBBD}" type="datetimeFigureOut">
               <a:rPr lang="en-GB" smtClean="0"/>
-              <a:t>14/01/2025</a:t>
+              <a:t>17/01/2025</a:t>
             </a:fld>
             <a:endParaRPr lang="en-GB"/>
           </a:p>
@@ -911,7 +916,7 @@
           <a:p>
             <a:fld id="{ACAC456A-6D9A-43C7-91E6-E8C2C059DBBD}" type="datetimeFigureOut">
               <a:rPr lang="en-GB" smtClean="0"/>
-              <a:t>14/01/2025</a:t>
+              <a:t>17/01/2025</a:t>
             </a:fld>
             <a:endParaRPr lang="en-GB"/>
           </a:p>
@@ -1121,7 +1126,7 @@
           <a:p>
             <a:fld id="{ACAC456A-6D9A-43C7-91E6-E8C2C059DBBD}" type="datetimeFigureOut">
               <a:rPr lang="en-GB" smtClean="0"/>
-              <a:t>14/01/2025</a:t>
+              <a:t>17/01/2025</a:t>
             </a:fld>
             <a:endParaRPr lang="en-GB"/>
           </a:p>
@@ -1321,7 +1326,7 @@
           <a:p>
             <a:fld id="{ACAC456A-6D9A-43C7-91E6-E8C2C059DBBD}" type="datetimeFigureOut">
               <a:rPr lang="en-GB" smtClean="0"/>
-              <a:t>14/01/2025</a:t>
+              <a:t>17/01/2025</a:t>
             </a:fld>
             <a:endParaRPr lang="en-GB"/>
           </a:p>
@@ -1597,7 +1602,7 @@
           <a:p>
             <a:fld id="{ACAC456A-6D9A-43C7-91E6-E8C2C059DBBD}" type="datetimeFigureOut">
               <a:rPr lang="en-GB" smtClean="0"/>
-              <a:t>14/01/2025</a:t>
+              <a:t>17/01/2025</a:t>
             </a:fld>
             <a:endParaRPr lang="en-GB"/>
           </a:p>
@@ -1865,7 +1870,7 @@
           <a:p>
             <a:fld id="{ACAC456A-6D9A-43C7-91E6-E8C2C059DBBD}" type="datetimeFigureOut">
               <a:rPr lang="en-GB" smtClean="0"/>
-              <a:t>14/01/2025</a:t>
+              <a:t>17/01/2025</a:t>
             </a:fld>
             <a:endParaRPr lang="en-GB"/>
           </a:p>
@@ -2280,7 +2285,7 @@
           <a:p>
             <a:fld id="{ACAC456A-6D9A-43C7-91E6-E8C2C059DBBD}" type="datetimeFigureOut">
               <a:rPr lang="en-GB" smtClean="0"/>
-              <a:t>14/01/2025</a:t>
+              <a:t>17/01/2025</a:t>
             </a:fld>
             <a:endParaRPr lang="en-GB"/>
           </a:p>
@@ -2422,7 +2427,7 @@
           <a:p>
             <a:fld id="{ACAC456A-6D9A-43C7-91E6-E8C2C059DBBD}" type="datetimeFigureOut">
               <a:rPr lang="en-GB" smtClean="0"/>
-              <a:t>14/01/2025</a:t>
+              <a:t>17/01/2025</a:t>
             </a:fld>
             <a:endParaRPr lang="en-GB"/>
           </a:p>
@@ -2535,7 +2540,7 @@
           <a:p>
             <a:fld id="{ACAC456A-6D9A-43C7-91E6-E8C2C059DBBD}" type="datetimeFigureOut">
               <a:rPr lang="en-GB" smtClean="0"/>
-              <a:t>14/01/2025</a:t>
+              <a:t>17/01/2025</a:t>
             </a:fld>
             <a:endParaRPr lang="en-GB"/>
           </a:p>
@@ -2848,7 +2853,7 @@
           <a:p>
             <a:fld id="{ACAC456A-6D9A-43C7-91E6-E8C2C059DBBD}" type="datetimeFigureOut">
               <a:rPr lang="en-GB" smtClean="0"/>
-              <a:t>14/01/2025</a:t>
+              <a:t>17/01/2025</a:t>
             </a:fld>
             <a:endParaRPr lang="en-GB"/>
           </a:p>
@@ -3137,7 +3142,7 @@
           <a:p>
             <a:fld id="{ACAC456A-6D9A-43C7-91E6-E8C2C059DBBD}" type="datetimeFigureOut">
               <a:rPr lang="en-GB" smtClean="0"/>
-              <a:t>14/01/2025</a:t>
+              <a:t>17/01/2025</a:t>
             </a:fld>
             <a:endParaRPr lang="en-GB"/>
           </a:p>
@@ -3380,7 +3385,7 @@
           <a:p>
             <a:fld id="{ACAC456A-6D9A-43C7-91E6-E8C2C059DBBD}" type="datetimeFigureOut">
               <a:rPr lang="en-GB" smtClean="0"/>
-              <a:t>14/01/2025</a:t>
+              <a:t>17/01/2025</a:t>
             </a:fld>
             <a:endParaRPr lang="en-GB"/>
           </a:p>
@@ -5733,7 +5738,7 @@
             <p:ph idx="1"/>
             <p:extLst>
               <p:ext uri="{D42A27DB-BD31-4B8C-83A1-F6EECF244321}">
-                <p14:modId xmlns:p14="http://schemas.microsoft.com/office/powerpoint/2010/main" val="1149058789"/>
+                <p14:modId xmlns:p14="http://schemas.microsoft.com/office/powerpoint/2010/main" val="754208583"/>
               </p:ext>
             </p:extLst>
           </p:nvPr>
@@ -6397,7 +6402,7 @@
                           <a:latin typeface="HY헤드라인M" panose="02030600000101010101" pitchFamily="18" charset="-127"/>
                           <a:ea typeface="HY헤드라인M" panose="02030600000101010101" pitchFamily="18" charset="-127"/>
                         </a:rPr>
-                        <a:t>1 – Quick Sort, Radix Sort </a:t>
+                        <a:t>1 – Quick Sort</a:t>
                       </a:r>
                       <a:endParaRPr lang="en-GB" sz="2000" b="0">
                         <a:latin typeface="HY헤드라인M" panose="02030600000101010101" pitchFamily="18" charset="-127"/>
@@ -6520,7 +6525,7 @@
                           <a:latin typeface="HY헤드라인M" panose="02030600000101010101" pitchFamily="18" charset="-127"/>
                           <a:ea typeface="HY헤드라인M" panose="02030600000101010101" pitchFamily="18" charset="-127"/>
                         </a:rPr>
-                        <a:t>Recursions</a:t>
+                        <a:t>Recursions /</a:t>
                       </a:r>
                     </a:p>
                     <a:p>
@@ -6577,7 +6582,21 @@
                           <a:latin typeface="HY헤드라인M" panose="02030600000101010101" pitchFamily="18" charset="-127"/>
                           <a:ea typeface="HY헤드라인M" panose="02030600000101010101" pitchFamily="18" charset="-127"/>
                         </a:rPr>
-                        <a:t>(2/24-28)</a:t>
+                        <a:t>(3</a:t>
+                      </a:r>
+                      <a:r>
+                        <a:rPr lang="ko-KR" altLang="en-US" sz="2000" b="0">
+                          <a:latin typeface="HY헤드라인M" panose="02030600000101010101" pitchFamily="18" charset="-127"/>
+                          <a:ea typeface="HY헤드라인M" panose="02030600000101010101" pitchFamily="18" charset="-127"/>
+                        </a:rPr>
+                        <a:t>월개강주</a:t>
+                      </a:r>
+                      <a:r>
+                        <a:rPr lang="en-GB" altLang="ko-KR" sz="2000" b="0">
+                          <a:latin typeface="HY헤드라인M" panose="02030600000101010101" pitchFamily="18" charset="-127"/>
+                          <a:ea typeface="HY헤드라인M" panose="02030600000101010101" pitchFamily="18" charset="-127"/>
+                        </a:rPr>
+                        <a:t>?)</a:t>
                       </a:r>
                       <a:endParaRPr lang="en-GB" sz="2000" b="0">
                         <a:latin typeface="HY헤드라인M" panose="02030600000101010101" pitchFamily="18" charset="-127"/>
@@ -7168,6 +7187,133 @@
               <a:t>?</a:t>
             </a:r>
           </a:p>
+          <a:p>
+            <a:endParaRPr lang="en-GB" altLang="ko-KR">
+              <a:latin typeface="HY헤드라인M" panose="02030600000101010101" pitchFamily="18" charset="-127"/>
+              <a:ea typeface="HY헤드라인M" panose="02030600000101010101" pitchFamily="18" charset="-127"/>
+            </a:endParaRPr>
+          </a:p>
+          <a:p>
+            <a:r>
+              <a:rPr lang="ko-KR" altLang="en-US">
+                <a:latin typeface="HY헤드라인M" panose="02030600000101010101" pitchFamily="18" charset="-127"/>
+                <a:ea typeface="HY헤드라인M" panose="02030600000101010101" pitchFamily="18" charset="-127"/>
+              </a:rPr>
+              <a:t>금요일 </a:t>
+            </a:r>
+            <a:r>
+              <a:rPr lang="en-GB" altLang="ko-KR">
+                <a:latin typeface="HY헤드라인M" panose="02030600000101010101" pitchFamily="18" charset="-127"/>
+                <a:ea typeface="HY헤드라인M" panose="02030600000101010101" pitchFamily="18" charset="-127"/>
+              </a:rPr>
+              <a:t>10:00-12:00 (</a:t>
+            </a:r>
+            <a:r>
+              <a:rPr lang="ko-KR" altLang="en-US">
+                <a:latin typeface="HY헤드라인M" panose="02030600000101010101" pitchFamily="18" charset="-127"/>
+                <a:ea typeface="HY헤드라인M" panose="02030600000101010101" pitchFamily="18" charset="-127"/>
+              </a:rPr>
+              <a:t>일단은 계속 금요일로 생각 중</a:t>
+            </a:r>
+            <a:r>
+              <a:rPr lang="en-GB" altLang="ko-KR">
+                <a:latin typeface="HY헤드라인M" panose="02030600000101010101" pitchFamily="18" charset="-127"/>
+                <a:ea typeface="HY헤드라인M" panose="02030600000101010101" pitchFamily="18" charset="-127"/>
+              </a:rPr>
+              <a:t>, 414</a:t>
+            </a:r>
+            <a:r>
+              <a:rPr lang="ko-KR" altLang="en-US">
+                <a:latin typeface="HY헤드라인M" panose="02030600000101010101" pitchFamily="18" charset="-127"/>
+                <a:ea typeface="HY헤드라인M" panose="02030600000101010101" pitchFamily="18" charset="-127"/>
+              </a:rPr>
+              <a:t>호</a:t>
+            </a:r>
+            <a:r>
+              <a:rPr lang="en-GB" altLang="ko-KR">
+                <a:latin typeface="HY헤드라인M" panose="02030600000101010101" pitchFamily="18" charset="-127"/>
+                <a:ea typeface="HY헤드라인M" panose="02030600000101010101" pitchFamily="18" charset="-127"/>
+              </a:rPr>
+              <a:t>)</a:t>
+            </a:r>
+          </a:p>
+          <a:p>
+            <a:r>
+              <a:rPr lang="en-GB" altLang="ko-KR">
+                <a:latin typeface="HY헤드라인M" panose="02030600000101010101" pitchFamily="18" charset="-127"/>
+                <a:ea typeface="HY헤드라인M" panose="02030600000101010101" pitchFamily="18" charset="-127"/>
+              </a:rPr>
+              <a:t>5</a:t>
+            </a:r>
+            <a:r>
+              <a:rPr lang="ko-KR" altLang="en-US">
+                <a:latin typeface="HY헤드라인M" panose="02030600000101010101" pitchFamily="18" charset="-127"/>
+                <a:ea typeface="HY헤드라인M" panose="02030600000101010101" pitchFamily="18" charset="-127"/>
+              </a:rPr>
+              <a:t>주차는 </a:t>
+            </a:r>
+            <a:r>
+              <a:rPr lang="en-GB" altLang="ko-KR">
+                <a:latin typeface="HY헤드라인M" panose="02030600000101010101" pitchFamily="18" charset="-127"/>
+                <a:ea typeface="HY헤드라인M" panose="02030600000101010101" pitchFamily="18" charset="-127"/>
+              </a:rPr>
+              <a:t>3</a:t>
+            </a:r>
+            <a:r>
+              <a:rPr lang="ko-KR" altLang="en-US">
+                <a:latin typeface="HY헤드라인M" panose="02030600000101010101" pitchFamily="18" charset="-127"/>
+                <a:ea typeface="HY헤드라인M" panose="02030600000101010101" pitchFamily="18" charset="-127"/>
+              </a:rPr>
+              <a:t>월 첫주</a:t>
+            </a:r>
+            <a:r>
+              <a:rPr lang="en-GB" altLang="ko-KR">
+                <a:latin typeface="HY헤드라인M" panose="02030600000101010101" pitchFamily="18" charset="-127"/>
+                <a:ea typeface="HY헤드라인M" panose="02030600000101010101" pitchFamily="18" charset="-127"/>
+              </a:rPr>
+              <a:t>(</a:t>
+            </a:r>
+            <a:r>
+              <a:rPr lang="ko-KR" altLang="en-US">
+                <a:latin typeface="HY헤드라인M" panose="02030600000101010101" pitchFamily="18" charset="-127"/>
+                <a:ea typeface="HY헤드라인M" panose="02030600000101010101" pitchFamily="18" charset="-127"/>
+              </a:rPr>
+              <a:t>개강주</a:t>
+            </a:r>
+            <a:r>
+              <a:rPr lang="en-GB" altLang="ko-KR">
+                <a:latin typeface="HY헤드라인M" panose="02030600000101010101" pitchFamily="18" charset="-127"/>
+                <a:ea typeface="HY헤드라인M" panose="02030600000101010101" pitchFamily="18" charset="-127"/>
+              </a:rPr>
+              <a:t>)</a:t>
+            </a:r>
+            <a:r>
+              <a:rPr lang="ko-KR" altLang="en-US">
+                <a:latin typeface="HY헤드라인M" panose="02030600000101010101" pitchFamily="18" charset="-127"/>
+                <a:ea typeface="HY헤드라인M" panose="02030600000101010101" pitchFamily="18" charset="-127"/>
+              </a:rPr>
+              <a:t>로 일정 변경 가능</a:t>
+            </a:r>
+            <a:endParaRPr lang="en-GB" altLang="ko-KR">
+              <a:latin typeface="HY헤드라인M" panose="02030600000101010101" pitchFamily="18" charset="-127"/>
+              <a:ea typeface="HY헤드라인M" panose="02030600000101010101" pitchFamily="18" charset="-127"/>
+            </a:endParaRPr>
+          </a:p>
+          <a:p>
+            <a:endParaRPr lang="en-GB" altLang="ko-KR">
+              <a:latin typeface="HY헤드라인M" panose="02030600000101010101" pitchFamily="18" charset="-127"/>
+              <a:ea typeface="HY헤드라인M" panose="02030600000101010101" pitchFamily="18" charset="-127"/>
+            </a:endParaRPr>
+          </a:p>
+          <a:p>
+            <a:pPr marL="0" indent="0">
+              <a:buNone/>
+            </a:pPr>
+            <a:endParaRPr lang="en-GB" altLang="ko-KR">
+              <a:latin typeface="HY헤드라인M" panose="02030600000101010101" pitchFamily="18" charset="-127"/>
+              <a:ea typeface="HY헤드라인M" panose="02030600000101010101" pitchFamily="18" charset="-127"/>
+            </a:endParaRPr>
+          </a:p>
         </p:txBody>
       </p:sp>
     </p:spTree>
@@ -7384,18 +7530,35 @@
                 <a:latin typeface="HY헤드라인M" panose="02030600000101010101" pitchFamily="18" charset="-127"/>
                 <a:ea typeface="HY헤드라인M" panose="02030600000101010101" pitchFamily="18" charset="-127"/>
               </a:rPr>
-              <a:t>)</a:t>
-            </a:r>
-          </a:p>
-          <a:p>
-            <a:r>
-              <a:rPr lang="en-GB" altLang="ko-KR">
+              <a:t>) -&gt; </a:t>
+            </a:r>
+            <a:r>
+              <a:rPr lang="ko-KR" altLang="en-US">
                 <a:solidFill>
                   <a:srgbClr val="0070C0"/>
                 </a:solidFill>
                 <a:latin typeface="HY헤드라인M" panose="02030600000101010101" pitchFamily="18" charset="-127"/>
                 <a:ea typeface="HY헤드라인M" panose="02030600000101010101" pitchFamily="18" charset="-127"/>
               </a:rPr>
+              <a:t>근태</a:t>
+            </a:r>
+            <a:endParaRPr lang="en-GB" altLang="ko-KR">
+              <a:solidFill>
+                <a:srgbClr val="0070C0"/>
+              </a:solidFill>
+              <a:latin typeface="HY헤드라인M" panose="02030600000101010101" pitchFamily="18" charset="-127"/>
+              <a:ea typeface="HY헤드라인M" panose="02030600000101010101" pitchFamily="18" charset="-127"/>
+            </a:endParaRPr>
+          </a:p>
+          <a:p>
+            <a:r>
+              <a:rPr lang="en-GB" altLang="ko-KR">
+                <a:solidFill>
+                  <a:srgbClr val="0070C0"/>
+                </a:solidFill>
+                <a:latin typeface="HY헤드라인M" panose="02030600000101010101" pitchFamily="18" charset="-127"/>
+                <a:ea typeface="HY헤드라인M" panose="02030600000101010101" pitchFamily="18" charset="-127"/>
+              </a:rPr>
               <a:t>1</a:t>
             </a:r>
             <a:r>
@@ -7496,8 +7659,25 @@
                 <a:latin typeface="HY헤드라인M" panose="02030600000101010101" pitchFamily="18" charset="-127"/>
                 <a:ea typeface="HY헤드라인M" panose="02030600000101010101" pitchFamily="18" charset="-127"/>
               </a:rPr>
-              <a:t>)</a:t>
-            </a:r>
+              <a:t>) -&gt; </a:t>
+            </a:r>
+            <a:r>
+              <a:rPr lang="ko-KR" altLang="en-US">
+                <a:solidFill>
+                  <a:srgbClr val="0070C0"/>
+                </a:solidFill>
+                <a:latin typeface="HY헤드라인M" panose="02030600000101010101" pitchFamily="18" charset="-127"/>
+                <a:ea typeface="HY헤드라인M" panose="02030600000101010101" pitchFamily="18" charset="-127"/>
+              </a:rPr>
+              <a:t>상록</a:t>
+            </a:r>
+            <a:endParaRPr lang="en-GB" altLang="ko-KR">
+              <a:solidFill>
+                <a:srgbClr val="0070C0"/>
+              </a:solidFill>
+              <a:latin typeface="HY헤드라인M" panose="02030600000101010101" pitchFamily="18" charset="-127"/>
+              <a:ea typeface="HY헤드라인M" panose="02030600000101010101" pitchFamily="18" charset="-127"/>
+            </a:endParaRPr>
           </a:p>
           <a:p>
             <a:r>
@@ -7598,7 +7778,7 @@
                 <a:latin typeface="HY헤드라인M" panose="02030600000101010101" pitchFamily="18" charset="-127"/>
                 <a:ea typeface="HY헤드라인M" panose="02030600000101010101" pitchFamily="18" charset="-127"/>
               </a:rPr>
-              <a:t>난이도 상</a:t>
+              <a:t>난도 상</a:t>
             </a:r>
             <a:r>
               <a:rPr lang="en-GB" altLang="ko-KR">
@@ -7608,7 +7788,27 @@
                 <a:latin typeface="HY헤드라인M" panose="02030600000101010101" pitchFamily="18" charset="-127"/>
                 <a:ea typeface="HY헤드라인M" panose="02030600000101010101" pitchFamily="18" charset="-127"/>
               </a:rPr>
-              <a:t>)</a:t>
+              <a:t>) -&gt; </a:t>
+            </a:r>
+            <a:r>
+              <a:rPr lang="ko-KR" altLang="en-US">
+                <a:solidFill>
+                  <a:srgbClr val="FF0000"/>
+                </a:solidFill>
+                <a:latin typeface="HY헤드라인M" panose="02030600000101010101" pitchFamily="18" charset="-127"/>
+                <a:ea typeface="HY헤드라인M" panose="02030600000101010101" pitchFamily="18" charset="-127"/>
+              </a:rPr>
+              <a:t>상록</a:t>
+            </a:r>
+            <a:r>
+              <a:rPr lang="en-GB" altLang="ko-KR">
+                <a:solidFill>
+                  <a:srgbClr val="FF0000"/>
+                </a:solidFill>
+                <a:latin typeface="HY헤드라인M" panose="02030600000101010101" pitchFamily="18" charset="-127"/>
+                <a:ea typeface="HY헤드라인M" panose="02030600000101010101" pitchFamily="18" charset="-127"/>
+              </a:rPr>
+              <a:t>  </a:t>
             </a:r>
           </a:p>
           <a:p>
@@ -7720,10 +7920,8 @@
                 <a:latin typeface="HY헤드라인M" panose="02030600000101010101" pitchFamily="18" charset="-127"/>
                 <a:ea typeface="HY헤드라인M" panose="02030600000101010101" pitchFamily="18" charset="-127"/>
               </a:rPr>
-              <a:t>)</a:t>
-            </a:r>
-          </a:p>
-          <a:p>
+              <a:t>) </a:t>
+            </a:r>
             <a:r>
               <a:rPr lang="en-GB" altLang="ko-KR">
                 <a:solidFill>
@@ -7731,8 +7929,9 @@
                 </a:solidFill>
                 <a:latin typeface="HY헤드라인M" panose="02030600000101010101" pitchFamily="18" charset="-127"/>
                 <a:ea typeface="HY헤드라인M" panose="02030600000101010101" pitchFamily="18" charset="-127"/>
-              </a:rPr>
-              <a:t>3</a:t>
+                <a:sym typeface="Wingdings" panose="05000000000000000000" pitchFamily="2" charset="2"/>
+              </a:rPr>
+              <a:t> </a:t>
             </a:r>
             <a:r>
               <a:rPr lang="ko-KR" altLang="en-US">
@@ -7741,108 +7940,9 @@
                 </a:solidFill>
                 <a:latin typeface="HY헤드라인M" panose="02030600000101010101" pitchFamily="18" charset="-127"/>
                 <a:ea typeface="HY헤드라인M" panose="02030600000101010101" pitchFamily="18" charset="-127"/>
-              </a:rPr>
-              <a:t>주차</a:t>
-            </a:r>
-            <a:r>
-              <a:rPr lang="en-GB" altLang="ko-KR">
-                <a:solidFill>
-                  <a:srgbClr val="00B050"/>
-                </a:solidFill>
-                <a:latin typeface="HY헤드라인M" panose="02030600000101010101" pitchFamily="18" charset="-127"/>
-                <a:ea typeface="HY헤드라인M" panose="02030600000101010101" pitchFamily="18" charset="-127"/>
-              </a:rPr>
-              <a:t>: 5</a:t>
-            </a:r>
-            <a:r>
-              <a:rPr lang="ko-KR" altLang="en-US">
-                <a:solidFill>
-                  <a:srgbClr val="00B050"/>
-                </a:solidFill>
-                <a:latin typeface="HY헤드라인M" panose="02030600000101010101" pitchFamily="18" charset="-127"/>
-                <a:ea typeface="HY헤드라인M" panose="02030600000101010101" pitchFamily="18" charset="-127"/>
-              </a:rPr>
-              <a:t>강</a:t>
-            </a:r>
-            <a:r>
-              <a:rPr lang="en-GB" altLang="ko-KR">
-                <a:solidFill>
-                  <a:srgbClr val="00B050"/>
-                </a:solidFill>
-                <a:latin typeface="HY헤드라인M" panose="02030600000101010101" pitchFamily="18" charset="-127"/>
-                <a:ea typeface="HY헤드라인M" panose="02030600000101010101" pitchFamily="18" charset="-127"/>
-              </a:rPr>
-              <a:t>/ </a:t>
-            </a:r>
-            <a:r>
-              <a:rPr lang="ko-KR" altLang="en-US">
-                <a:solidFill>
-                  <a:srgbClr val="00B050"/>
-                </a:solidFill>
-                <a:latin typeface="HY헤드라인M" panose="02030600000101010101" pitchFamily="18" charset="-127"/>
-                <a:ea typeface="HY헤드라인M" panose="02030600000101010101" pitchFamily="18" charset="-127"/>
-              </a:rPr>
-              <a:t>이진 탐색 </a:t>
-            </a:r>
-            <a:r>
-              <a:rPr lang="en-GB" altLang="ko-KR">
-                <a:solidFill>
-                  <a:srgbClr val="00B050"/>
-                </a:solidFill>
-                <a:latin typeface="HY헤드라인M" panose="02030600000101010101" pitchFamily="18" charset="-127"/>
-                <a:ea typeface="HY헤드라인M" panose="02030600000101010101" pitchFamily="18" charset="-127"/>
-              </a:rPr>
-              <a:t>1</a:t>
-            </a:r>
-            <a:r>
-              <a:rPr lang="ko-KR" altLang="en-US">
-                <a:solidFill>
-                  <a:srgbClr val="00B050"/>
-                </a:solidFill>
-                <a:latin typeface="HY헤드라인M" panose="02030600000101010101" pitchFamily="18" charset="-127"/>
-                <a:ea typeface="HY헤드라인M" panose="02030600000101010101" pitchFamily="18" charset="-127"/>
-              </a:rPr>
-              <a:t>명 </a:t>
-            </a:r>
-            <a:r>
-              <a:rPr lang="en-GB" altLang="ko-KR">
-                <a:solidFill>
-                  <a:srgbClr val="00B050"/>
-                </a:solidFill>
-                <a:latin typeface="HY헤드라인M" panose="02030600000101010101" pitchFamily="18" charset="-127"/>
-                <a:ea typeface="HY헤드라인M" panose="02030600000101010101" pitchFamily="18" charset="-127"/>
-              </a:rPr>
-              <a:t>(</a:t>
-            </a:r>
-            <a:r>
-              <a:rPr lang="ko-KR" altLang="en-US">
-                <a:solidFill>
-                  <a:srgbClr val="00B050"/>
-                </a:solidFill>
-                <a:latin typeface="HY헤드라인M" panose="02030600000101010101" pitchFamily="18" charset="-127"/>
-                <a:ea typeface="HY헤드라인M" panose="02030600000101010101" pitchFamily="18" charset="-127"/>
-              </a:rPr>
-              <a:t>난도 중</a:t>
-            </a:r>
-            <a:r>
-              <a:rPr lang="en-GB" altLang="ko-KR">
-                <a:solidFill>
-                  <a:srgbClr val="00B050"/>
-                </a:solidFill>
-                <a:latin typeface="HY헤드라인M" panose="02030600000101010101" pitchFamily="18" charset="-127"/>
-                <a:ea typeface="HY헤드라인M" panose="02030600000101010101" pitchFamily="18" charset="-127"/>
-              </a:rPr>
-              <a:t>)</a:t>
-            </a:r>
-            <a:r>
-              <a:rPr lang="ko-KR" altLang="en-US">
-                <a:solidFill>
-                  <a:srgbClr val="00B050"/>
-                </a:solidFill>
-                <a:latin typeface="HY헤드라인M" panose="02030600000101010101" pitchFamily="18" charset="-127"/>
-                <a:ea typeface="HY헤드라인M" panose="02030600000101010101" pitchFamily="18" charset="-127"/>
-              </a:rPr>
-              <a:t> </a:t>
+                <a:sym typeface="Wingdings" panose="05000000000000000000" pitchFamily="2" charset="2"/>
+              </a:rPr>
+              <a:t>세린</a:t>
             </a:r>
             <a:endParaRPr lang="en-GB" altLang="ko-KR">
               <a:solidFill>
@@ -7856,6 +7956,158 @@
             <a:r>
               <a:rPr lang="en-GB" altLang="ko-KR">
                 <a:solidFill>
+                  <a:srgbClr val="00B050"/>
+                </a:solidFill>
+                <a:latin typeface="HY헤드라인M" panose="02030600000101010101" pitchFamily="18" charset="-127"/>
+                <a:ea typeface="HY헤드라인M" panose="02030600000101010101" pitchFamily="18" charset="-127"/>
+              </a:rPr>
+              <a:t>3</a:t>
+            </a:r>
+            <a:r>
+              <a:rPr lang="ko-KR" altLang="en-US">
+                <a:solidFill>
+                  <a:srgbClr val="00B050"/>
+                </a:solidFill>
+                <a:latin typeface="HY헤드라인M" panose="02030600000101010101" pitchFamily="18" charset="-127"/>
+                <a:ea typeface="HY헤드라인M" panose="02030600000101010101" pitchFamily="18" charset="-127"/>
+              </a:rPr>
+              <a:t>주차</a:t>
+            </a:r>
+            <a:r>
+              <a:rPr lang="en-GB" altLang="ko-KR">
+                <a:solidFill>
+                  <a:srgbClr val="00B050"/>
+                </a:solidFill>
+                <a:latin typeface="HY헤드라인M" panose="02030600000101010101" pitchFamily="18" charset="-127"/>
+                <a:ea typeface="HY헤드라인M" panose="02030600000101010101" pitchFamily="18" charset="-127"/>
+              </a:rPr>
+              <a:t>: 5</a:t>
+            </a:r>
+            <a:r>
+              <a:rPr lang="ko-KR" altLang="en-US">
+                <a:solidFill>
+                  <a:srgbClr val="00B050"/>
+                </a:solidFill>
+                <a:latin typeface="HY헤드라인M" panose="02030600000101010101" pitchFamily="18" charset="-127"/>
+                <a:ea typeface="HY헤드라인M" panose="02030600000101010101" pitchFamily="18" charset="-127"/>
+              </a:rPr>
+              <a:t>강</a:t>
+            </a:r>
+            <a:r>
+              <a:rPr lang="en-GB" altLang="ko-KR">
+                <a:solidFill>
+                  <a:srgbClr val="00B050"/>
+                </a:solidFill>
+                <a:latin typeface="HY헤드라인M" panose="02030600000101010101" pitchFamily="18" charset="-127"/>
+                <a:ea typeface="HY헤드라인M" panose="02030600000101010101" pitchFamily="18" charset="-127"/>
+              </a:rPr>
+              <a:t>/ </a:t>
+            </a:r>
+            <a:r>
+              <a:rPr lang="ko-KR" altLang="en-US">
+                <a:solidFill>
+                  <a:srgbClr val="00B050"/>
+                </a:solidFill>
+                <a:latin typeface="HY헤드라인M" panose="02030600000101010101" pitchFamily="18" charset="-127"/>
+                <a:ea typeface="HY헤드라인M" panose="02030600000101010101" pitchFamily="18" charset="-127"/>
+              </a:rPr>
+              <a:t>이진 탐색 </a:t>
+            </a:r>
+            <a:r>
+              <a:rPr lang="en-GB" altLang="ko-KR">
+                <a:solidFill>
+                  <a:srgbClr val="00B050"/>
+                </a:solidFill>
+                <a:latin typeface="HY헤드라인M" panose="02030600000101010101" pitchFamily="18" charset="-127"/>
+                <a:ea typeface="HY헤드라인M" panose="02030600000101010101" pitchFamily="18" charset="-127"/>
+              </a:rPr>
+              <a:t>1</a:t>
+            </a:r>
+            <a:r>
+              <a:rPr lang="ko-KR" altLang="en-US">
+                <a:solidFill>
+                  <a:srgbClr val="00B050"/>
+                </a:solidFill>
+                <a:latin typeface="HY헤드라인M" panose="02030600000101010101" pitchFamily="18" charset="-127"/>
+                <a:ea typeface="HY헤드라인M" panose="02030600000101010101" pitchFamily="18" charset="-127"/>
+              </a:rPr>
+              <a:t>명 </a:t>
+            </a:r>
+            <a:r>
+              <a:rPr lang="en-GB" altLang="ko-KR">
+                <a:solidFill>
+                  <a:srgbClr val="00B050"/>
+                </a:solidFill>
+                <a:latin typeface="HY헤드라인M" panose="02030600000101010101" pitchFamily="18" charset="-127"/>
+                <a:ea typeface="HY헤드라인M" panose="02030600000101010101" pitchFamily="18" charset="-127"/>
+              </a:rPr>
+              <a:t>(</a:t>
+            </a:r>
+            <a:r>
+              <a:rPr lang="ko-KR" altLang="en-US">
+                <a:solidFill>
+                  <a:srgbClr val="00B050"/>
+                </a:solidFill>
+                <a:latin typeface="HY헤드라인M" panose="02030600000101010101" pitchFamily="18" charset="-127"/>
+                <a:ea typeface="HY헤드라인M" panose="02030600000101010101" pitchFamily="18" charset="-127"/>
+              </a:rPr>
+              <a:t>난도 중</a:t>
+            </a:r>
+            <a:r>
+              <a:rPr lang="en-GB" altLang="ko-KR">
+                <a:solidFill>
+                  <a:srgbClr val="00B050"/>
+                </a:solidFill>
+                <a:latin typeface="HY헤드라인M" panose="02030600000101010101" pitchFamily="18" charset="-127"/>
+                <a:ea typeface="HY헤드라인M" panose="02030600000101010101" pitchFamily="18" charset="-127"/>
+              </a:rPr>
+              <a:t>) </a:t>
+            </a:r>
+            <a:r>
+              <a:rPr lang="en-GB" altLang="ko-KR">
+                <a:solidFill>
+                  <a:srgbClr val="00B050"/>
+                </a:solidFill>
+                <a:latin typeface="HY헤드라인M" panose="02030600000101010101" pitchFamily="18" charset="-127"/>
+                <a:ea typeface="HY헤드라인M" panose="02030600000101010101" pitchFamily="18" charset="-127"/>
+                <a:sym typeface="Wingdings" panose="05000000000000000000" pitchFamily="2" charset="2"/>
+              </a:rPr>
+              <a:t> </a:t>
+            </a:r>
+            <a:r>
+              <a:rPr lang="ko-KR" altLang="en-US">
+                <a:solidFill>
+                  <a:srgbClr val="00B050"/>
+                </a:solidFill>
+                <a:latin typeface="HY헤드라인M" panose="02030600000101010101" pitchFamily="18" charset="-127"/>
+                <a:ea typeface="HY헤드라인M" panose="02030600000101010101" pitchFamily="18" charset="-127"/>
+                <a:sym typeface="Wingdings" panose="05000000000000000000" pitchFamily="2" charset="2"/>
+              </a:rPr>
+              <a:t>근태</a:t>
+            </a:r>
+            <a:r>
+              <a:rPr lang="en-GB" altLang="ko-KR">
+                <a:solidFill>
+                  <a:srgbClr val="00B050"/>
+                </a:solidFill>
+                <a:latin typeface="HY헤드라인M" panose="02030600000101010101" pitchFamily="18" charset="-127"/>
+                <a:ea typeface="HY헤드라인M" panose="02030600000101010101" pitchFamily="18" charset="-127"/>
+                <a:sym typeface="Wingdings" panose="05000000000000000000" pitchFamily="2" charset="2"/>
+              </a:rPr>
+              <a:t> </a:t>
+            </a:r>
+            <a:endParaRPr lang="en-GB" altLang="ko-KR">
+              <a:solidFill>
+                <a:srgbClr val="00B050"/>
+              </a:solidFill>
+              <a:latin typeface="HY헤드라인M" panose="02030600000101010101" pitchFamily="18" charset="-127"/>
+              <a:ea typeface="HY헤드라인M" panose="02030600000101010101" pitchFamily="18" charset="-127"/>
+            </a:endParaRPr>
+          </a:p>
+          <a:p>
+            <a:r>
+              <a:rPr lang="en-GB" altLang="ko-KR">
+                <a:solidFill>
                   <a:srgbClr val="FF0000"/>
                 </a:solidFill>
                 <a:latin typeface="HY헤드라인M" panose="02030600000101010101" pitchFamily="18" charset="-127"/>
@@ -7951,7 +8203,7 @@
                 <a:latin typeface="HY헤드라인M" panose="02030600000101010101" pitchFamily="18" charset="-127"/>
                 <a:ea typeface="HY헤드라인M" panose="02030600000101010101" pitchFamily="18" charset="-127"/>
               </a:rPr>
-              <a:t>난이도 상</a:t>
+              <a:t>난도 상</a:t>
             </a:r>
             <a:r>
               <a:rPr lang="en-GB" altLang="ko-KR">
@@ -7961,14 +8213,31 @@
                 <a:latin typeface="HY헤드라인M" panose="02030600000101010101" pitchFamily="18" charset="-127"/>
                 <a:ea typeface="HY헤드라인M" panose="02030600000101010101" pitchFamily="18" charset="-127"/>
               </a:rPr>
-              <a:t>)</a:t>
-            </a:r>
-          </a:p>
-          <a:p>
-            <a:r>
-              <a:rPr lang="en-GB" altLang="ko-KR">
-                <a:solidFill>
-                  <a:srgbClr val="0070C0"/>
+              <a:t>) -&gt; </a:t>
+            </a:r>
+            <a:r>
+              <a:rPr lang="ko-KR" altLang="en-US">
+                <a:solidFill>
+                  <a:srgbClr val="FF0000"/>
+                </a:solidFill>
+                <a:latin typeface="HY헤드라인M" panose="02030600000101010101" pitchFamily="18" charset="-127"/>
+                <a:ea typeface="HY헤드라인M" panose="02030600000101010101" pitchFamily="18" charset="-127"/>
+              </a:rPr>
+              <a:t>선우</a:t>
+            </a:r>
+            <a:endParaRPr lang="en-GB" altLang="ko-KR">
+              <a:solidFill>
+                <a:srgbClr val="FF0000"/>
+              </a:solidFill>
+              <a:latin typeface="HY헤드라인M" panose="02030600000101010101" pitchFamily="18" charset="-127"/>
+              <a:ea typeface="HY헤드라인M" panose="02030600000101010101" pitchFamily="18" charset="-127"/>
+            </a:endParaRPr>
+          </a:p>
+          <a:p>
+            <a:r>
+              <a:rPr lang="en-GB" altLang="ko-KR">
+                <a:solidFill>
+                  <a:srgbClr val="00B050"/>
                 </a:solidFill>
                 <a:latin typeface="HY헤드라인M" panose="02030600000101010101" pitchFamily="18" charset="-127"/>
                 <a:ea typeface="HY헤드라인M" panose="02030600000101010101" pitchFamily="18" charset="-127"/>
@@ -7978,7 +8247,7 @@
             <a:r>
               <a:rPr lang="ko-KR" altLang="en-US">
                 <a:solidFill>
-                  <a:srgbClr val="0070C0"/>
+                  <a:srgbClr val="00B050"/>
                 </a:solidFill>
                 <a:latin typeface="HY헤드라인M" panose="02030600000101010101" pitchFamily="18" charset="-127"/>
                 <a:ea typeface="HY헤드라인M" panose="02030600000101010101" pitchFamily="18" charset="-127"/>
@@ -7988,7 +8257,7 @@
             <a:r>
               <a:rPr lang="en-GB" altLang="ko-KR">
                 <a:solidFill>
-                  <a:srgbClr val="0070C0"/>
+                  <a:srgbClr val="00B050"/>
                 </a:solidFill>
                 <a:latin typeface="HY헤드라인M" panose="02030600000101010101" pitchFamily="18" charset="-127"/>
                 <a:ea typeface="HY헤드라인M" panose="02030600000101010101" pitchFamily="18" charset="-127"/>
@@ -7998,7 +8267,7 @@
             <a:r>
               <a:rPr lang="ko-KR" altLang="en-US">
                 <a:solidFill>
-                  <a:srgbClr val="0070C0"/>
+                  <a:srgbClr val="00B050"/>
                 </a:solidFill>
                 <a:latin typeface="HY헤드라인M" panose="02030600000101010101" pitchFamily="18" charset="-127"/>
                 <a:ea typeface="HY헤드라인M" panose="02030600000101010101" pitchFamily="18" charset="-127"/>
@@ -8008,7 +8277,7 @@
             <a:r>
               <a:rPr lang="en-GB" altLang="ko-KR">
                 <a:solidFill>
-                  <a:srgbClr val="0070C0"/>
+                  <a:srgbClr val="00B050"/>
                 </a:solidFill>
                 <a:latin typeface="HY헤드라인M" panose="02030600000101010101" pitchFamily="18" charset="-127"/>
                 <a:ea typeface="HY헤드라인M" panose="02030600000101010101" pitchFamily="18" charset="-127"/>
@@ -8018,7 +8287,7 @@
             <a:r>
               <a:rPr lang="ko-KR" altLang="en-US">
                 <a:solidFill>
-                  <a:srgbClr val="0070C0"/>
+                  <a:srgbClr val="00B050"/>
                 </a:solidFill>
                 <a:latin typeface="HY헤드라인M" panose="02030600000101010101" pitchFamily="18" charset="-127"/>
                 <a:ea typeface="HY헤드라인M" panose="02030600000101010101" pitchFamily="18" charset="-127"/>
@@ -8028,7 +8297,7 @@
             <a:r>
               <a:rPr lang="en-GB" altLang="ko-KR">
                 <a:solidFill>
-                  <a:srgbClr val="0070C0"/>
+                  <a:srgbClr val="00B050"/>
                 </a:solidFill>
                 <a:latin typeface="HY헤드라인M" panose="02030600000101010101" pitchFamily="18" charset="-127"/>
                 <a:ea typeface="HY헤드라인M" panose="02030600000101010101" pitchFamily="18" charset="-127"/>
@@ -8038,33 +8307,50 @@
             <a:r>
               <a:rPr lang="ko-KR" altLang="en-US">
                 <a:solidFill>
-                  <a:srgbClr val="0070C0"/>
-                </a:solidFill>
-                <a:latin typeface="HY헤드라인M" panose="02030600000101010101" pitchFamily="18" charset="-127"/>
-                <a:ea typeface="HY헤드라인M" panose="02030600000101010101" pitchFamily="18" charset="-127"/>
-              </a:rPr>
-              <a:t>난도 하</a:t>
-            </a:r>
-            <a:r>
-              <a:rPr lang="en-GB" altLang="ko-KR">
-                <a:solidFill>
-                  <a:srgbClr val="0070C0"/>
-                </a:solidFill>
-                <a:latin typeface="HY헤드라인M" panose="02030600000101010101" pitchFamily="18" charset="-127"/>
-                <a:ea typeface="HY헤드라인M" panose="02030600000101010101" pitchFamily="18" charset="-127"/>
-              </a:rPr>
-              <a:t>)</a:t>
-            </a:r>
-          </a:p>
-          <a:p>
-            <a:r>
-              <a:rPr lang="en-GB" altLang="ko-KR">
-                <a:solidFill>
                   <a:srgbClr val="00B050"/>
                 </a:solidFill>
                 <a:latin typeface="HY헤드라인M" panose="02030600000101010101" pitchFamily="18" charset="-127"/>
                 <a:ea typeface="HY헤드라인M" panose="02030600000101010101" pitchFamily="18" charset="-127"/>
               </a:rPr>
+              <a:t>난도 중</a:t>
+            </a:r>
+            <a:r>
+              <a:rPr lang="en-GB" altLang="ko-KR">
+                <a:solidFill>
+                  <a:srgbClr val="00B050"/>
+                </a:solidFill>
+                <a:latin typeface="HY헤드라인M" panose="02030600000101010101" pitchFamily="18" charset="-127"/>
+                <a:ea typeface="HY헤드라인M" panose="02030600000101010101" pitchFamily="18" charset="-127"/>
+              </a:rPr>
+              <a:t>) -&gt; </a:t>
+            </a:r>
+            <a:r>
+              <a:rPr lang="ko-KR" altLang="en-US">
+                <a:solidFill>
+                  <a:srgbClr val="00B050"/>
+                </a:solidFill>
+                <a:latin typeface="HY헤드라인M" panose="02030600000101010101" pitchFamily="18" charset="-127"/>
+                <a:ea typeface="HY헤드라인M" panose="02030600000101010101" pitchFamily="18" charset="-127"/>
+              </a:rPr>
+              <a:t>선우</a:t>
+            </a:r>
+            <a:endParaRPr lang="en-GB" altLang="ko-KR">
+              <a:solidFill>
+                <a:srgbClr val="00B050"/>
+              </a:solidFill>
+              <a:latin typeface="HY헤드라인M" panose="02030600000101010101" pitchFamily="18" charset="-127"/>
+              <a:ea typeface="HY헤드라인M" panose="02030600000101010101" pitchFamily="18" charset="-127"/>
+            </a:endParaRPr>
+          </a:p>
+          <a:p>
+            <a:r>
+              <a:rPr lang="en-GB" altLang="ko-KR">
+                <a:solidFill>
+                  <a:srgbClr val="00B050"/>
+                </a:solidFill>
+                <a:latin typeface="HY헤드라인M" panose="02030600000101010101" pitchFamily="18" charset="-127"/>
+                <a:ea typeface="HY헤드라인M" panose="02030600000101010101" pitchFamily="18" charset="-127"/>
+              </a:rPr>
               <a:t>5</a:t>
             </a:r>
             <a:r>
@@ -8145,8 +8431,37 @@
                 <a:latin typeface="HY헤드라인M" panose="02030600000101010101" pitchFamily="18" charset="-127"/>
                 <a:ea typeface="HY헤드라인M" panose="02030600000101010101" pitchFamily="18" charset="-127"/>
               </a:rPr>
-              <a:t>)</a:t>
-            </a:r>
+              <a:t>) </a:t>
+            </a:r>
+            <a:r>
+              <a:rPr lang="en-GB" altLang="ko-KR">
+                <a:solidFill>
+                  <a:srgbClr val="00B050"/>
+                </a:solidFill>
+                <a:latin typeface="HY헤드라인M" panose="02030600000101010101" pitchFamily="18" charset="-127"/>
+                <a:ea typeface="HY헤드라인M" panose="02030600000101010101" pitchFamily="18" charset="-127"/>
+                <a:sym typeface="Wingdings" panose="05000000000000000000" pitchFamily="2" charset="2"/>
+              </a:rPr>
+              <a:t> </a:t>
+            </a:r>
+            <a:r>
+              <a:rPr lang="ko-KR" altLang="en-US">
+                <a:solidFill>
+                  <a:srgbClr val="00B050"/>
+                </a:solidFill>
+                <a:latin typeface="HY헤드라인M" panose="02030600000101010101" pitchFamily="18" charset="-127"/>
+                <a:ea typeface="HY헤드라인M" panose="02030600000101010101" pitchFamily="18" charset="-127"/>
+                <a:sym typeface="Wingdings" panose="05000000000000000000" pitchFamily="2" charset="2"/>
+              </a:rPr>
+              <a:t>세린</a:t>
+            </a:r>
+            <a:endParaRPr lang="en-GB" altLang="ko-KR">
+              <a:solidFill>
+                <a:srgbClr val="00B050"/>
+              </a:solidFill>
+              <a:latin typeface="HY헤드라인M" panose="02030600000101010101" pitchFamily="18" charset="-127"/>
+              <a:ea typeface="HY헤드라인M" panose="02030600000101010101" pitchFamily="18" charset="-127"/>
+            </a:endParaRPr>
           </a:p>
           <a:p>
             <a:pPr marL="0" indent="0">
